--- a/Semester 5/Perancangan Perangkat Lunak/Kelompok 7 - Process Control System.pptx
+++ b/Semester 5/Perancangan Perangkat Lunak/Kelompok 7 - Process Control System.pptx
@@ -111,16 +111,7 @@
       </a:defRPr>
     </a:lvl9pPr>
   </p:defaultTextStyle>
-  <p:extLst>
-    <p:ext uri="{EFAFB233-063F-42B5-8137-9DF3F51BA10A}">
-      <p15:sldGuideLst xmlns:p15="http://schemas.microsoft.com/office/powerpoint/2012/main"/>
-    </p:ext>
-  </p:extLst>
 </p:presentation>
-</file>
-
-<file path=ppt/revisionInfo.xml><?xml version="1.0" encoding="utf-8"?>
-<p1510:revInfo xmlns:a="http://schemas.openxmlformats.org/drawingml/2006/main" xmlns:r="http://schemas.openxmlformats.org/officeDocument/2006/relationships" xmlns:p1510="http://schemas.microsoft.com/office/powerpoint/2015/10/main"/>
 </file>
 
 <file path=ppt/slideLayouts/slideLayout1.xml><?xml version="1.0" encoding="utf-8"?>
@@ -262,7 +253,7 @@
           <a:p>
             <a:fld id="{9F31E3BE-A2F5-45B4-AC3C-8B1B329C5BC4}" type="datetimeFigureOut">
               <a:rPr lang="en-US" smtClean="0"/>
-              <a:t>9/20/2017</a:t>
+              <a:t>9/6/2017</a:t>
             </a:fld>
             <a:endParaRPr lang="en-US"/>
           </a:p>
@@ -473,7 +464,7 @@
           <a:p>
             <a:fld id="{9F31E3BE-A2F5-45B4-AC3C-8B1B329C5BC4}" type="datetimeFigureOut">
               <a:rPr lang="en-US" smtClean="0"/>
-              <a:t>9/20/2017</a:t>
+              <a:t>9/6/2017</a:t>
             </a:fld>
             <a:endParaRPr lang="en-US"/>
           </a:p>
@@ -688,7 +679,7 @@
           <a:p>
             <a:fld id="{9F31E3BE-A2F5-45B4-AC3C-8B1B329C5BC4}" type="datetimeFigureOut">
               <a:rPr lang="en-US" smtClean="0"/>
-              <a:t>9/20/2017</a:t>
+              <a:t>9/6/2017</a:t>
             </a:fld>
             <a:endParaRPr lang="en-US"/>
           </a:p>
@@ -889,7 +880,7 @@
           <a:p>
             <a:fld id="{9F31E3BE-A2F5-45B4-AC3C-8B1B329C5BC4}" type="datetimeFigureOut">
               <a:rPr lang="en-US" smtClean="0"/>
-              <a:t>9/20/2017</a:t>
+              <a:t>9/6/2017</a:t>
             </a:fld>
             <a:endParaRPr lang="en-US"/>
           </a:p>
@@ -1168,7 +1159,7 @@
           <a:p>
             <a:fld id="{9F31E3BE-A2F5-45B4-AC3C-8B1B329C5BC4}" type="datetimeFigureOut">
               <a:rPr lang="en-US" smtClean="0"/>
-              <a:t>9/20/2017</a:t>
+              <a:t>9/6/2017</a:t>
             </a:fld>
             <a:endParaRPr lang="en-US"/>
           </a:p>
@@ -1436,7 +1427,7 @@
           <a:p>
             <a:fld id="{9F31E3BE-A2F5-45B4-AC3C-8B1B329C5BC4}" type="datetimeFigureOut">
               <a:rPr lang="en-US" smtClean="0"/>
-              <a:t>9/20/2017</a:t>
+              <a:t>9/6/2017</a:t>
             </a:fld>
             <a:endParaRPr lang="en-US"/>
           </a:p>
@@ -1852,7 +1843,7 @@
           <a:p>
             <a:fld id="{9F31E3BE-A2F5-45B4-AC3C-8B1B329C5BC4}" type="datetimeFigureOut">
               <a:rPr lang="en-US" smtClean="0"/>
-              <a:t>9/20/2017</a:t>
+              <a:t>9/6/2017</a:t>
             </a:fld>
             <a:endParaRPr lang="en-US"/>
           </a:p>
@@ -2001,7 +1992,7 @@
           <a:p>
             <a:fld id="{9F31E3BE-A2F5-45B4-AC3C-8B1B329C5BC4}" type="datetimeFigureOut">
               <a:rPr lang="en-US" smtClean="0"/>
-              <a:t>9/20/2017</a:t>
+              <a:t>9/6/2017</a:t>
             </a:fld>
             <a:endParaRPr lang="en-US"/>
           </a:p>
@@ -2127,7 +2118,7 @@
           <a:p>
             <a:fld id="{9F31E3BE-A2F5-45B4-AC3C-8B1B329C5BC4}" type="datetimeFigureOut">
               <a:rPr lang="en-US" smtClean="0"/>
-              <a:t>9/20/2017</a:t>
+              <a:t>9/6/2017</a:t>
             </a:fld>
             <a:endParaRPr lang="en-US"/>
           </a:p>
@@ -2378,7 +2369,7 @@
           <a:p>
             <a:fld id="{9F31E3BE-A2F5-45B4-AC3C-8B1B329C5BC4}" type="datetimeFigureOut">
               <a:rPr lang="en-US" smtClean="0"/>
-              <a:t>9/20/2017</a:t>
+              <a:t>9/6/2017</a:t>
             </a:fld>
             <a:endParaRPr lang="en-US"/>
           </a:p>
@@ -2823,7 +2814,7 @@
           <a:p>
             <a:fld id="{9F31E3BE-A2F5-45B4-AC3C-8B1B329C5BC4}" type="datetimeFigureOut">
               <a:rPr lang="en-US" smtClean="0"/>
-              <a:t>9/20/2017</a:t>
+              <a:t>9/6/2017</a:t>
             </a:fld>
             <a:endParaRPr lang="en-US"/>
           </a:p>
@@ -3149,7 +3140,7 @@
           <a:p>
             <a:fld id="{9F31E3BE-A2F5-45B4-AC3C-8B1B329C5BC4}" type="datetimeFigureOut">
               <a:rPr lang="en-US" smtClean="0"/>
-              <a:t>9/20/2017</a:t>
+              <a:t>9/6/2017</a:t>
             </a:fld>
             <a:endParaRPr lang="en-US"/>
           </a:p>
@@ -4166,15 +4157,11 @@
           <a:p>
             <a:r>
               <a:rPr lang="en-US" dirty="0" err="1"/>
-              <a:t>Algoritma</a:t>
-            </a:r>
-            <a:r>
-              <a:rPr lang="en-US"/>
-              <a:t> </a:t>
-            </a:r>
-            <a:r>
-              <a:rPr lang="en-US" dirty="0"/>
-              <a:t>control </a:t>
+              <a:t>Algoritme</a:t>
+            </a:r>
+            <a:r>
+              <a:rPr lang="en-US" dirty="0"/>
+              <a:t> control </a:t>
             </a:r>
             <a:r>
               <a:rPr lang="en-US" dirty="0" err="1"/>
